--- a/Diabetes prediction.pptx
+++ b/Diabetes prediction.pptx
@@ -112,6 +112,11 @@
       </a:defRPr>
     </a:lvl9pPr>
   </p:defaultTextStyle>
+  <p:extLst>
+    <p:ext uri="{EFAFB233-063F-42B5-8137-9DF3F51BA10A}">
+      <p15:sldGuideLst xmlns:p15="http://schemas.microsoft.com/office/powerpoint/2012/main"/>
+    </p:ext>
+  </p:extLst>
 </p:presentation>
 </file>
 
@@ -450,7 +455,7 @@
           <a:p>
             <a:fld id="{7A149C9C-1316-4AE0-BB85-4EDFBD237647}" type="datetimeFigureOut">
               <a:rPr lang="LID4096" smtClean="0"/>
-              <a:t>05/16/2023</a:t>
+              <a:t>05/18/2023</a:t>
             </a:fld>
             <a:endParaRPr lang="LID4096"/>
           </a:p>
@@ -1538,7 +1543,7 @@
           <a:p>
             <a:fld id="{7A149C9C-1316-4AE0-BB85-4EDFBD237647}" type="datetimeFigureOut">
               <a:rPr lang="LID4096" smtClean="0"/>
-              <a:t>05/16/2023</a:t>
+              <a:t>05/18/2023</a:t>
             </a:fld>
             <a:endParaRPr lang="LID4096"/>
           </a:p>
@@ -2518,7 +2523,7 @@
           <a:p>
             <a:fld id="{7A149C9C-1316-4AE0-BB85-4EDFBD237647}" type="datetimeFigureOut">
               <a:rPr lang="LID4096" smtClean="0"/>
-              <a:t>05/16/2023</a:t>
+              <a:t>05/18/2023</a:t>
             </a:fld>
             <a:endParaRPr lang="LID4096"/>
           </a:p>
@@ -3652,7 +3657,7 @@
           <a:p>
             <a:fld id="{7A149C9C-1316-4AE0-BB85-4EDFBD237647}" type="datetimeFigureOut">
               <a:rPr lang="LID4096" smtClean="0"/>
-              <a:t>05/16/2023</a:t>
+              <a:t>05/18/2023</a:t>
             </a:fld>
             <a:endParaRPr lang="LID4096"/>
           </a:p>
@@ -4685,7 +4690,7 @@
           <a:p>
             <a:fld id="{7A149C9C-1316-4AE0-BB85-4EDFBD237647}" type="datetimeFigureOut">
               <a:rPr lang="LID4096" smtClean="0"/>
-              <a:t>05/16/2023</a:t>
+              <a:t>05/18/2023</a:t>
             </a:fld>
             <a:endParaRPr lang="LID4096"/>
           </a:p>
@@ -5345,7 +5350,7 @@
           <a:p>
             <a:fld id="{7A149C9C-1316-4AE0-BB85-4EDFBD237647}" type="datetimeFigureOut">
               <a:rPr lang="LID4096" smtClean="0"/>
-              <a:t>05/16/2023</a:t>
+              <a:t>05/18/2023</a:t>
             </a:fld>
             <a:endParaRPr lang="LID4096"/>
           </a:p>
@@ -6206,7 +6211,7 @@
           <a:p>
             <a:fld id="{7A149C9C-1316-4AE0-BB85-4EDFBD237647}" type="datetimeFigureOut">
               <a:rPr lang="LID4096" smtClean="0"/>
-              <a:t>05/16/2023</a:t>
+              <a:t>05/18/2023</a:t>
             </a:fld>
             <a:endParaRPr lang="LID4096"/>
           </a:p>
@@ -6396,7 +6401,7 @@
           <a:p>
             <a:fld id="{7A149C9C-1316-4AE0-BB85-4EDFBD237647}" type="datetimeFigureOut">
               <a:rPr lang="LID4096" smtClean="0"/>
-              <a:t>05/16/2023</a:t>
+              <a:t>05/18/2023</a:t>
             </a:fld>
             <a:endParaRPr lang="LID4096"/>
           </a:p>
@@ -7368,7 +7373,7 @@
           <a:p>
             <a:fld id="{7A149C9C-1316-4AE0-BB85-4EDFBD237647}" type="datetimeFigureOut">
               <a:rPr lang="LID4096" smtClean="0"/>
-              <a:t>05/16/2023</a:t>
+              <a:t>05/18/2023</a:t>
             </a:fld>
             <a:endParaRPr lang="LID4096"/>
           </a:p>
@@ -7579,7 +7584,7 @@
           <a:p>
             <a:fld id="{7A149C9C-1316-4AE0-BB85-4EDFBD237647}" type="datetimeFigureOut">
               <a:rPr lang="LID4096" smtClean="0"/>
-              <a:t>05/16/2023</a:t>
+              <a:t>05/18/2023</a:t>
             </a:fld>
             <a:endParaRPr lang="LID4096"/>
           </a:p>
@@ -8613,7 +8618,7 @@
           <a:p>
             <a:fld id="{7A149C9C-1316-4AE0-BB85-4EDFBD237647}" type="datetimeFigureOut">
               <a:rPr lang="LID4096" smtClean="0"/>
-              <a:t>05/16/2023</a:t>
+              <a:t>05/18/2023</a:t>
             </a:fld>
             <a:endParaRPr lang="LID4096"/>
           </a:p>
@@ -8885,7 +8890,7 @@
           <a:p>
             <a:fld id="{7A149C9C-1316-4AE0-BB85-4EDFBD237647}" type="datetimeFigureOut">
               <a:rPr lang="LID4096" smtClean="0"/>
-              <a:t>05/16/2023</a:t>
+              <a:t>05/18/2023</a:t>
             </a:fld>
             <a:endParaRPr lang="LID4096"/>
           </a:p>
@@ -9295,7 +9300,7 @@
           <a:p>
             <a:fld id="{7A149C9C-1316-4AE0-BB85-4EDFBD237647}" type="datetimeFigureOut">
               <a:rPr lang="LID4096" smtClean="0"/>
-              <a:t>05/16/2023</a:t>
+              <a:t>05/18/2023</a:t>
             </a:fld>
             <a:endParaRPr lang="LID4096"/>
           </a:p>
@@ -9422,7 +9427,7 @@
           <a:p>
             <a:fld id="{7A149C9C-1316-4AE0-BB85-4EDFBD237647}" type="datetimeFigureOut">
               <a:rPr lang="LID4096" smtClean="0"/>
-              <a:t>05/16/2023</a:t>
+              <a:t>05/18/2023</a:t>
             </a:fld>
             <a:endParaRPr lang="LID4096"/>
           </a:p>
@@ -9517,7 +9522,7 @@
           <a:p>
             <a:fld id="{7A149C9C-1316-4AE0-BB85-4EDFBD237647}" type="datetimeFigureOut">
               <a:rPr lang="LID4096" smtClean="0"/>
-              <a:t>05/16/2023</a:t>
+              <a:t>05/18/2023</a:t>
             </a:fld>
             <a:endParaRPr lang="LID4096"/>
           </a:p>
@@ -10598,7 +10603,7 @@
           <a:p>
             <a:fld id="{7A149C9C-1316-4AE0-BB85-4EDFBD237647}" type="datetimeFigureOut">
               <a:rPr lang="LID4096" smtClean="0"/>
-              <a:t>05/16/2023</a:t>
+              <a:t>05/18/2023</a:t>
             </a:fld>
             <a:endParaRPr lang="LID4096"/>
           </a:p>
@@ -11706,7 +11711,7 @@
           <a:p>
             <a:fld id="{7A149C9C-1316-4AE0-BB85-4EDFBD237647}" type="datetimeFigureOut">
               <a:rPr lang="LID4096" smtClean="0"/>
-              <a:t>05/16/2023</a:t>
+              <a:t>05/18/2023</a:t>
             </a:fld>
             <a:endParaRPr lang="LID4096"/>
           </a:p>
@@ -12703,7 +12708,7 @@
           <a:p>
             <a:fld id="{7A149C9C-1316-4AE0-BB85-4EDFBD237647}" type="datetimeFigureOut">
               <a:rPr lang="LID4096" smtClean="0"/>
-              <a:t>05/16/2023</a:t>
+              <a:t>05/18/2023</a:t>
             </a:fld>
             <a:endParaRPr lang="LID4096"/>
           </a:p>
@@ -13452,11 +13457,32 @@
           <a:bodyPr/>
           <a:lstStyle/>
           <a:p>
+            <a:pPr algn="ctr"/>
             <a:r>
+              <a:rPr lang="en-US" b="1" dirty="0"/>
+              <a:t>Diabetes</a:t>
+            </a:r>
+            <a:br>
               <a:rPr lang="en-US" dirty="0"/>
-              <a:t>Introduction </a:t>
+            </a:br>
+            <a:r>
+              <a:rPr lang="en-US" dirty="0">
+                <a:latin typeface="Inter"/>
+              </a:rPr>
+              <a:t>problem with the body’s production of </a:t>
             </a:r>
-            <a:endParaRPr lang="LID4096" dirty="0"/>
+            <a:br>
+              <a:rPr lang="en-US" dirty="0">
+                <a:latin typeface="Inter"/>
+              </a:rPr>
+            </a:br>
+            <a:r>
+              <a:rPr lang="en-US" dirty="0">
+                <a:latin typeface="Inter"/>
+              </a:rPr>
+              <a:t>or use of the hormone insulin</a:t>
+            </a:r>
+            <a:endParaRPr lang="en-US" dirty="0"/>
           </a:p>
         </p:txBody>
       </p:sp>
@@ -13473,15 +13499,181 @@
             <a:spLocks noGrp="1"/>
           </p:cNvSpPr>
           <p:nvPr>
-            <p:ph idx="1"/>
+            <p:ph sz="half" idx="1"/>
           </p:nvPr>
         </p:nvSpPr>
-        <p:spPr/>
+        <p:spPr>
+          <a:xfrm>
+            <a:off x="894895" y="2679378"/>
+            <a:ext cx="4825158" cy="3416301"/>
+          </a:xfrm>
+        </p:spPr>
         <p:txBody>
-          <a:bodyPr/>
+          <a:bodyPr>
+            <a:normAutofit fontScale="92500" lnSpcReduction="10000"/>
+          </a:bodyPr>
           <a:lstStyle/>
           <a:p>
+            <a:pPr marL="0" indent="0" algn="ctr">
+              <a:buNone/>
+            </a:pPr>
+            <a:r>
+              <a:rPr lang="en-US" b="1" dirty="0"/>
+              <a:t>Diabetes type 1 </a:t>
+            </a:r>
+          </a:p>
+          <a:p>
+            <a:r>
+              <a:rPr lang="en-US" dirty="0"/>
+              <a:t>The pancreas does not make insulin, because the body's immune system attacks the islet cells in the pancreas that make insulin.</a:t>
+            </a:r>
+          </a:p>
+          <a:p>
+            <a:r>
+              <a:rPr lang="en-US" sz="1800" dirty="0">
+                <a:effectLst/>
+              </a:rPr>
+              <a:t>Comes on fast</a:t>
+            </a:r>
+          </a:p>
+          <a:p>
+            <a:r>
+              <a:rPr lang="en-US" sz="1800" dirty="0">
+                <a:effectLst/>
+              </a:rPr>
+              <a:t>Requires insulin to manage</a:t>
+            </a:r>
+            <a:endParaRPr lang="en-US" b="0" i="0" dirty="0">
+              <a:solidFill>
+                <a:srgbClr val="202124"/>
+              </a:solidFill>
+              <a:effectLst/>
+              <a:latin typeface="Google Sans"/>
+            </a:endParaRPr>
+          </a:p>
+          <a:p>
+            <a:r>
+              <a:rPr lang="en-US" sz="1800" dirty="0">
+                <a:effectLst/>
+              </a:rPr>
+              <a:t>Requires insulin to manage</a:t>
+            </a:r>
+          </a:p>
+          <a:p>
+            <a:r>
+              <a:rPr lang="en-US" sz="1800" dirty="0">
+                <a:effectLst/>
+              </a:rPr>
+              <a:t>Relatively uncommon (1.9 million people in the U.S.)</a:t>
+            </a:r>
+          </a:p>
+          <a:p>
+            <a:endParaRPr lang="en-US" sz="1800" dirty="0">
+              <a:effectLst/>
+            </a:endParaRPr>
+          </a:p>
+          <a:p>
             <a:endParaRPr lang="LID4096" dirty="0"/>
+          </a:p>
+        </p:txBody>
+      </p:sp>
+      <p:sp>
+        <p:nvSpPr>
+          <p:cNvPr id="5" name="Content Placeholder 4">
+            <a:extLst>
+              <a:ext uri="{FF2B5EF4-FFF2-40B4-BE49-F238E27FC236}">
+                <a16:creationId xmlns:a16="http://schemas.microsoft.com/office/drawing/2014/main" id="{F8479910-D3F2-A1FB-E508-F0B89EFD87C6}"/>
+              </a:ext>
+            </a:extLst>
+          </p:cNvPr>
+          <p:cNvSpPr>
+            <a:spLocks noGrp="1"/>
+          </p:cNvSpPr>
+          <p:nvPr>
+            <p:ph sz="half" idx="2"/>
+          </p:nvPr>
+        </p:nvSpPr>
+        <p:spPr>
+          <a:xfrm>
+            <a:off x="6211890" y="2679379"/>
+            <a:ext cx="4825159" cy="3416300"/>
+          </a:xfrm>
+        </p:spPr>
+        <p:txBody>
+          <a:bodyPr>
+            <a:normAutofit fontScale="92500" lnSpcReduction="10000"/>
+          </a:bodyPr>
+          <a:lstStyle/>
+          <a:p>
+            <a:pPr marL="0" indent="0" algn="ctr">
+              <a:buNone/>
+            </a:pPr>
+            <a:r>
+              <a:rPr lang="en-US" b="1" dirty="0"/>
+              <a:t>Diabetes type 2</a:t>
+            </a:r>
+          </a:p>
+          <a:p>
+            <a:r>
+              <a:rPr lang="en-US" dirty="0"/>
+              <a:t>The pancreas makes less insulin than used to, and your body becomes resistant to insulin.</a:t>
+            </a:r>
+          </a:p>
+          <a:p>
+            <a:r>
+              <a:rPr lang="en-US" sz="1800" dirty="0">
+                <a:effectLst/>
+              </a:rPr>
+              <a:t>Takes time to develop</a:t>
+            </a:r>
+          </a:p>
+          <a:p>
+            <a:r>
+              <a:rPr lang="en-US" sz="1800" dirty="0">
+                <a:effectLst/>
+              </a:rPr>
+              <a:t>Diet, exercise, oral or injectable medications. In some cases insulin may become necessary.</a:t>
+            </a:r>
+            <a:endParaRPr lang="en-US" b="0" i="0" dirty="0">
+              <a:solidFill>
+                <a:srgbClr val="202124"/>
+              </a:solidFill>
+              <a:effectLst/>
+              <a:latin typeface="Google Sans"/>
+            </a:endParaRPr>
+          </a:p>
+          <a:p>
+            <a:r>
+              <a:rPr lang="en-US" sz="1800" dirty="0">
+                <a:effectLst/>
+              </a:rPr>
+              <a:t>Often diagnosed mid-life</a:t>
+            </a:r>
+          </a:p>
+          <a:p>
+            <a:r>
+              <a:rPr lang="en-US" sz="1800" dirty="0">
+                <a:effectLst/>
+              </a:rPr>
+              <a:t>Increasingly common (35.4 million people in the U.S.)</a:t>
+            </a:r>
+          </a:p>
+          <a:p>
+            <a:endParaRPr lang="en-US" sz="1800" dirty="0">
+              <a:effectLst/>
+            </a:endParaRPr>
+          </a:p>
+          <a:p>
+            <a:endParaRPr lang="en-US" b="0" i="0" dirty="0">
+              <a:solidFill>
+                <a:srgbClr val="202124"/>
+              </a:solidFill>
+              <a:effectLst/>
+              <a:latin typeface="Google Sans"/>
+            </a:endParaRPr>
+          </a:p>
+          <a:p>
+            <a:endParaRPr lang="en-US" dirty="0"/>
           </a:p>
         </p:txBody>
       </p:sp>
@@ -14111,13 +14303,13 @@
             <p:ph idx="1"/>
             <p:extLst>
               <p:ext uri="{D42A27DB-BD31-4B8C-83A1-F6EECF244321}">
-                <p14:modId xmlns:p14="http://schemas.microsoft.com/office/powerpoint/2010/main" val="1148894164"/>
+                <p14:modId xmlns:p14="http://schemas.microsoft.com/office/powerpoint/2010/main" val="17174955"/>
               </p:ext>
             </p:extLst>
           </p:nvPr>
         </p:nvGraphicFramePr>
         <p:xfrm>
-          <a:off x="838200" y="1403058"/>
+          <a:off x="720754" y="2434904"/>
           <a:ext cx="10515600" cy="2743200"/>
         </p:xfrm>
         <a:graphic>
@@ -14363,14 +14555,23 @@
                     <a:p>
                       <a:pPr algn="ctr" fontAlgn="ctr"/>
                       <a:r>
-                        <a:rPr lang="en-US" b="1" dirty="0" err="1">
+                        <a:rPr lang="en-US" b="1" dirty="0">
                           <a:effectLst/>
                         </a:rPr>
-                        <a:t>smoking_history</a:t>
+                        <a:t>Smoking</a:t>
                       </a:r>
-                      <a:endParaRPr lang="en-US" b="1" dirty="0">
-                        <a:effectLst/>
-                      </a:endParaRPr>
+                      <a:r>
+                        <a:rPr lang="ru-RU" b="1" dirty="0">
+                          <a:effectLst/>
+                        </a:rPr>
+                        <a:t> </a:t>
+                      </a:r>
+                      <a:r>
+                        <a:rPr lang="en-US" b="1" dirty="0">
+                          <a:effectLst/>
+                        </a:rPr>
+                        <a:t>_history</a:t>
+                      </a:r>
                     </a:p>
                   </a:txBody>
                   <a:tcPr anchor="ctr">
@@ -14906,7 +15107,7 @@
                     <a:p>
                       <a:pPr algn="r" fontAlgn="ctr"/>
                       <a:r>
-                        <a:rPr lang="en-IL">
+                        <a:rPr lang="en-IL" dirty="0">
                           <a:effectLst/>
                         </a:rPr>
                         <a:t>54.0</a:t>
@@ -16223,7 +16424,27 @@
                 <a:effectLst/>
                 <a:latin typeface="Inter"/>
               </a:rPr>
-              <a:t>The dataset imbalanced</a:t>
+              <a:t>The dataset</a:t>
+            </a:r>
+            <a:r>
+              <a:rPr lang="ru-RU" sz="2400" b="1" i="0" dirty="0">
+                <a:solidFill>
+                  <a:srgbClr val="000000"/>
+                </a:solidFill>
+                <a:effectLst/>
+                <a:latin typeface="Inter"/>
+              </a:rPr>
+              <a:t> </a:t>
+            </a:r>
+            <a:r>
+              <a:rPr lang="en-US" sz="2400" b="1" i="0" dirty="0">
+                <a:solidFill>
+                  <a:srgbClr val="000000"/>
+                </a:solidFill>
+                <a:effectLst/>
+                <a:latin typeface="Inter"/>
+              </a:rPr>
+              <a:t>is imbalanced</a:t>
             </a:r>
           </a:p>
           <a:p>
